--- a/lectures/DJ-08-Forms.pptx
+++ b/lectures/DJ-08-Forms.pptx
@@ -236,7 +236,7 @@
           <a:p>
             <a:fld id="{C97B56FC-7D2E-F343-9D09-0D14B00AA564}" type="datetimeFigureOut">
               <a:rPr lang="en-US" smtClean="0"/>
-              <a:t>2/22/19</a:t>
+              <a:t>9/20/19</a:t>
             </a:fld>
             <a:endParaRPr lang="en-US"/>
           </a:p>
@@ -1181,7 +1181,7 @@
           <a:p>
             <a:fld id="{EEE7C04C-7AF8-1445-A186-502B631B934F}" type="datetimeFigureOut">
               <a:rPr lang="en-US" smtClean="0"/>
-              <a:t>2/22/19</a:t>
+              <a:t>9/20/19</a:t>
             </a:fld>
             <a:endParaRPr lang="en-US"/>
           </a:p>
@@ -1346,7 +1346,7 @@
           <a:p>
             <a:fld id="{EEE7C04C-7AF8-1445-A186-502B631B934F}" type="datetimeFigureOut">
               <a:rPr lang="en-US" smtClean="0"/>
-              <a:t>2/22/19</a:t>
+              <a:t>9/20/19</a:t>
             </a:fld>
             <a:endParaRPr lang="en-US"/>
           </a:p>
@@ -1521,7 +1521,7 @@
           <a:p>
             <a:fld id="{EEE7C04C-7AF8-1445-A186-502B631B934F}" type="datetimeFigureOut">
               <a:rPr lang="en-US" smtClean="0"/>
-              <a:t>2/22/19</a:t>
+              <a:t>9/20/19</a:t>
             </a:fld>
             <a:endParaRPr lang="en-US"/>
           </a:p>
@@ -1686,7 +1686,7 @@
           <a:p>
             <a:fld id="{EEE7C04C-7AF8-1445-A186-502B631B934F}" type="datetimeFigureOut">
               <a:rPr lang="en-US" smtClean="0"/>
-              <a:t>2/22/19</a:t>
+              <a:t>9/20/19</a:t>
             </a:fld>
             <a:endParaRPr lang="en-US"/>
           </a:p>
@@ -1927,7 +1927,7 @@
           <a:p>
             <a:fld id="{EEE7C04C-7AF8-1445-A186-502B631B934F}" type="datetimeFigureOut">
               <a:rPr lang="en-US" smtClean="0"/>
-              <a:t>2/22/19</a:t>
+              <a:t>9/20/19</a:t>
             </a:fld>
             <a:endParaRPr lang="en-US"/>
           </a:p>
@@ -2154,7 +2154,7 @@
           <a:p>
             <a:fld id="{EEE7C04C-7AF8-1445-A186-502B631B934F}" type="datetimeFigureOut">
               <a:rPr lang="en-US" smtClean="0"/>
-              <a:t>2/22/19</a:t>
+              <a:t>9/20/19</a:t>
             </a:fld>
             <a:endParaRPr lang="en-US"/>
           </a:p>
@@ -2516,7 +2516,7 @@
           <a:p>
             <a:fld id="{EEE7C04C-7AF8-1445-A186-502B631B934F}" type="datetimeFigureOut">
               <a:rPr lang="en-US" smtClean="0"/>
-              <a:t>2/22/19</a:t>
+              <a:t>9/20/19</a:t>
             </a:fld>
             <a:endParaRPr lang="en-US"/>
           </a:p>
@@ -2629,7 +2629,7 @@
           <a:p>
             <a:fld id="{EEE7C04C-7AF8-1445-A186-502B631B934F}" type="datetimeFigureOut">
               <a:rPr lang="en-US" smtClean="0"/>
-              <a:t>2/22/19</a:t>
+              <a:t>9/20/19</a:t>
             </a:fld>
             <a:endParaRPr lang="en-US"/>
           </a:p>
@@ -2719,7 +2719,7 @@
           <a:p>
             <a:fld id="{EEE7C04C-7AF8-1445-A186-502B631B934F}" type="datetimeFigureOut">
               <a:rPr lang="en-US" smtClean="0"/>
-              <a:t>2/22/19</a:t>
+              <a:t>9/20/19</a:t>
             </a:fld>
             <a:endParaRPr lang="en-US"/>
           </a:p>
@@ -2991,7 +2991,7 @@
           <a:p>
             <a:fld id="{EEE7C04C-7AF8-1445-A186-502B631B934F}" type="datetimeFigureOut">
               <a:rPr lang="en-US" smtClean="0"/>
-              <a:t>2/22/19</a:t>
+              <a:t>9/20/19</a:t>
             </a:fld>
             <a:endParaRPr lang="en-US"/>
           </a:p>
@@ -3243,7 +3243,7 @@
           <a:p>
             <a:fld id="{EEE7C04C-7AF8-1445-A186-502B631B934F}" type="datetimeFigureOut">
               <a:rPr lang="en-US" smtClean="0"/>
-              <a:t>2/22/19</a:t>
+              <a:t>9/20/19</a:t>
             </a:fld>
             <a:endParaRPr lang="en-US"/>
           </a:p>
@@ -3451,7 +3451,7 @@
           <a:p>
             <a:fld id="{EEE7C04C-7AF8-1445-A186-502B631B934F}" type="datetimeFigureOut">
               <a:rPr lang="en-US" smtClean="0"/>
-              <a:t>2/22/19</a:t>
+              <a:t>9/20/19</a:t>
             </a:fld>
             <a:endParaRPr lang="en-US"/>
           </a:p>
@@ -3869,10 +3869,10 @@
           <p:cNvPr id="10" name="Rectangle 9">
             <a:extLst>
               <a:ext uri="{FF2B5EF4-FFF2-40B4-BE49-F238E27FC236}">
-                <a16:creationId xmlns:a16="http://schemas.microsoft.com/office/drawing/2014/main" xmlns="" id="{E20EB187-900F-4AF5-813B-101456D9FD39}"/>
+                <a16:creationId xmlns="" xmlns:a16="http://schemas.microsoft.com/office/drawing/2014/main" id="{E20EB187-900F-4AF5-813B-101456D9FD39}"/>
               </a:ext>
               <a:ext uri="{C183D7F6-B498-43B3-948B-1728B52AA6E4}">
-                <adec:decorative xmlns:adec="http://schemas.microsoft.com/office/drawing/2017/decorative" xmlns="" val="1"/>
+                <adec:decorative xmlns="" xmlns:adec="http://schemas.microsoft.com/office/drawing/2017/decorative" val="1"/>
               </a:ext>
             </a:extLst>
           </p:cNvPr>
@@ -3927,36 +3927,6 @@
           </a:p>
         </p:txBody>
       </p:sp>
-      <p:pic>
-        <p:nvPicPr>
-          <p:cNvPr id="4" name="Picture 3"/>
-          <p:cNvPicPr>
-            <a:picLocks noChangeAspect="1"/>
-          </p:cNvPicPr>
-          <p:nvPr/>
-        </p:nvPicPr>
-        <p:blipFill rotWithShape="1">
-          <a:blip r:embed="rId2">
-            <a:alphaModFix amt="50000"/>
-            <a:extLst>
-              <a:ext uri="{28A0092B-C50C-407E-A947-70E740481C1C}">
-                <a14:useLocalDpi xmlns:a14="http://schemas.microsoft.com/office/drawing/2010/main" val="0"/>
-              </a:ext>
-            </a:extLst>
-          </a:blip>
-          <a:srcRect b="2174"/>
-          <a:stretch/>
-        </p:blipFill>
-        <p:spPr>
-          <a:xfrm>
-            <a:off x="20" y="1"/>
-            <a:ext cx="12191980" cy="6857999"/>
-          </a:xfrm>
-          <a:prstGeom prst="rect">
-            <a:avLst/>
-          </a:prstGeom>
-        </p:spPr>
-      </p:pic>
       <p:sp>
         <p:nvSpPr>
           <p:cNvPr id="2" name="Title 1"/>
@@ -4046,10 +4016,10 @@
           <p:cNvPr id="12" name="Straight Connector 11">
             <a:extLst>
               <a:ext uri="{FF2B5EF4-FFF2-40B4-BE49-F238E27FC236}">
-                <a16:creationId xmlns:a16="http://schemas.microsoft.com/office/drawing/2014/main" xmlns="" id="{624D17C8-E9C2-48A4-AA36-D7048A6CCC41}"/>
+                <a16:creationId xmlns="" xmlns:a16="http://schemas.microsoft.com/office/drawing/2014/main" id="{624D17C8-E9C2-48A4-AA36-D7048A6CCC41}"/>
               </a:ext>
               <a:ext uri="{C183D7F6-B498-43B3-948B-1728B52AA6E4}">
-                <adec:decorative xmlns:adec="http://schemas.microsoft.com/office/drawing/2017/decorative" xmlns="" val="1"/>
+                <adec:decorative xmlns="" xmlns:adec="http://schemas.microsoft.com/office/drawing/2017/decorative" val="1"/>
               </a:ext>
             </a:extLst>
           </p:cNvPr>
@@ -4102,7 +4072,7 @@
           <p:nvPr/>
         </p:nvPicPr>
         <p:blipFill>
-          <a:blip r:embed="rId3">
+          <a:blip r:embed="rId2">
             <a:extLst>
               <a:ext uri="{28A0092B-C50C-407E-A947-70E740481C1C}">
                 <a14:useLocalDpi xmlns:a14="http://schemas.microsoft.com/office/drawing/2010/main" val="0"/>
@@ -6297,10 +6267,10 @@
           <p:cNvPr id="135" name="Rectangle 134">
             <a:extLst>
               <a:ext uri="{FF2B5EF4-FFF2-40B4-BE49-F238E27FC236}">
-                <a16:creationId xmlns:a16="http://schemas.microsoft.com/office/drawing/2014/main" xmlns="" id="{867D4867-5BA7-4462-B2F6-A23F4A622AA7}"/>
+                <a16:creationId xmlns="" xmlns:a16="http://schemas.microsoft.com/office/drawing/2014/main" id="{867D4867-5BA7-4462-B2F6-A23F4A622AA7}"/>
               </a:ext>
               <a:ext uri="{C183D7F6-B498-43B3-948B-1728B52AA6E4}">
-                <adec:decorative xmlns:adec="http://schemas.microsoft.com/office/drawing/2017/decorative" xmlns="" val="1"/>
+                <adec:decorative xmlns="" xmlns:adec="http://schemas.microsoft.com/office/drawing/2017/decorative" val="1"/>
               </a:ext>
             </a:extLst>
           </p:cNvPr>
@@ -6531,36 +6501,6 @@
           <a:chExt cx="0" cy="0"/>
         </a:xfrm>
       </p:grpSpPr>
-      <p:pic>
-        <p:nvPicPr>
-          <p:cNvPr id="42" name="Picture 41"/>
-          <p:cNvPicPr>
-            <a:picLocks noChangeAspect="1"/>
-          </p:cNvPicPr>
-          <p:nvPr/>
-        </p:nvPicPr>
-        <p:blipFill rotWithShape="1">
-          <a:blip r:embed="rId2">
-            <a:alphaModFix/>
-            <a:extLst>
-              <a:ext uri="{28A0092B-C50C-407E-A947-70E740481C1C}">
-                <a14:useLocalDpi xmlns:a14="http://schemas.microsoft.com/office/drawing/2010/main" val="0"/>
-              </a:ext>
-            </a:extLst>
-          </a:blip>
-          <a:srcRect b="2174"/>
-          <a:stretch/>
-        </p:blipFill>
-        <p:spPr>
-          <a:xfrm>
-            <a:off x="20" y="11704"/>
-            <a:ext cx="12191980" cy="6857999"/>
-          </a:xfrm>
-          <a:prstGeom prst="rect">
-            <a:avLst/>
-          </a:prstGeom>
-        </p:spPr>
-      </p:pic>
       <p:sp>
         <p:nvSpPr>
           <p:cNvPr id="5" name="Rectangle 4"/>
@@ -7679,7 +7619,7 @@
             <a:pPr algn="ctr"/>
             <a:r>
               <a:rPr lang="en-US" dirty="0" err="1" smtClean="0"/>
-              <a:t>model.py</a:t>
+              <a:t>models.py</a:t>
             </a:r>
             <a:endParaRPr lang="en-US" dirty="0"/>
           </a:p>
@@ -7880,7 +7820,7 @@
           <p:nvPr/>
         </p:nvPicPr>
         <p:blipFill>
-          <a:blip r:embed="rId3">
+          <a:blip r:embed="rId2">
             <a:extLst>
               <a:ext uri="{28A0092B-C50C-407E-A947-70E740481C1C}">
                 <a14:useLocalDpi xmlns:a14="http://schemas.microsoft.com/office/drawing/2010/main" val="0"/>
@@ -12376,18 +12316,7 @@
                 <a:ea typeface="Courier" charset="0"/>
                 <a:cs typeface="Courier" charset="0"/>
               </a:rPr>
-              <a:t>      </a:t>
-            </a:r>
-            <a:r>
-              <a:rPr lang="en-US" b="1" dirty="0" smtClean="0">
-                <a:solidFill>
-                  <a:srgbClr val="000000"/>
-                </a:solidFill>
-                <a:latin typeface="Courier" charset="0"/>
-                <a:ea typeface="Courier" charset="0"/>
-                <a:cs typeface="Courier" charset="0"/>
-              </a:rPr>
-              <a:t> </a:t>
+              <a:t>       </a:t>
             </a:r>
             <a:r>
               <a:rPr lang="en-US" b="1" dirty="0">
@@ -12441,18 +12370,7 @@
                 <a:ea typeface="Courier" charset="0"/>
                 <a:cs typeface="Courier" charset="0"/>
               </a:rPr>
-              <a:t>       </a:t>
-            </a:r>
-            <a:r>
-              <a:rPr lang="en-US" b="1" dirty="0" smtClean="0">
-                <a:solidFill>
-                  <a:srgbClr val="C1651C"/>
-                </a:solidFill>
-                <a:latin typeface="Courier" charset="0"/>
-                <a:ea typeface="Courier" charset="0"/>
-                <a:cs typeface="Courier" charset="0"/>
-              </a:rPr>
-              <a:t>return</a:t>
+              <a:t>       return</a:t>
             </a:r>
             <a:r>
               <a:rPr lang="en-US" b="1" dirty="0" smtClean="0">
@@ -14385,18 +14303,7 @@
                 <a:ea typeface="Courier" charset="0"/>
                 <a:cs typeface="Courier" charset="0"/>
               </a:rPr>
-              <a:t>        # </a:t>
-            </a:r>
-            <a:r>
-              <a:rPr lang="en-US" b="1" dirty="0" smtClean="0">
-                <a:solidFill>
-                  <a:srgbClr val="000000"/>
-                </a:solidFill>
-                <a:latin typeface="Courier" charset="0"/>
-                <a:ea typeface="Courier" charset="0"/>
-                <a:cs typeface="Courier" charset="0"/>
-              </a:rPr>
-              <a:t>Save </a:t>
+              <a:t>        # Save </a:t>
             </a:r>
             <a:r>
               <a:rPr lang="en-US" b="1" dirty="0">
@@ -15281,10 +15188,10 @@
           <p:cNvPr id="15" name="Down Arrow 7">
             <a:extLst>
               <a:ext uri="{FF2B5EF4-FFF2-40B4-BE49-F238E27FC236}">
-                <a16:creationId xmlns:a16="http://schemas.microsoft.com/office/drawing/2014/main" xmlns="" id="{73DE2CFE-42F2-48F0-8706-5264E012B10C}"/>
+                <a16:creationId xmlns="" xmlns:a16="http://schemas.microsoft.com/office/drawing/2014/main" id="{73DE2CFE-42F2-48F0-8706-5264E012B10C}"/>
               </a:ext>
               <a:ext uri="{C183D7F6-B498-43B3-948B-1728B52AA6E4}">
-                <adec:decorative xmlns:adec="http://schemas.microsoft.com/office/drawing/2017/decorative" xmlns="" val="1"/>
+                <adec:decorative xmlns="" xmlns:adec="http://schemas.microsoft.com/office/drawing/2017/decorative" val="1"/>
               </a:ext>
             </a:extLst>
           </p:cNvPr>
@@ -15409,7 +15316,7 @@
           <p:cNvPr id="12" name="Content Placeholder 11">
             <a:extLst>
               <a:ext uri="{FF2B5EF4-FFF2-40B4-BE49-F238E27FC236}">
-                <a16:creationId xmlns:a16="http://schemas.microsoft.com/office/drawing/2014/main" xmlns="" id="{10441444-F734-43CA-98E6-1F3C07414448}"/>
+                <a16:creationId xmlns="" xmlns:a16="http://schemas.microsoft.com/office/drawing/2014/main" id="{10441444-F734-43CA-98E6-1F3C07414448}"/>
               </a:ext>
             </a:extLst>
           </p:cNvPr>
@@ -24624,14 +24531,14 @@
           </a:ln>
           <a:extLst>
             <a:ext uri="{909E8E84-426E-40dd-AFC4-6F175D3DCCD1}">
-              <a14:hiddenFill xmlns:a14="http://schemas.microsoft.com/office/drawing/2010/main" xmlns="">
+              <a14:hiddenFill xmlns="" xmlns:a14="http://schemas.microsoft.com/office/drawing/2010/main">
                 <a:solidFill>
                   <a:srgbClr val="FFFFFF"/>
                 </a:solidFill>
               </a14:hiddenFill>
             </a:ext>
             <a:ext uri="{91240B29-F687-4f45-9708-019B960494DF}">
-              <a14:hiddenLine xmlns:a14="http://schemas.microsoft.com/office/drawing/2010/main" xmlns="" w="12700">
+              <a14:hiddenLine xmlns="" xmlns:a14="http://schemas.microsoft.com/office/drawing/2010/main" w="12700">
                 <a:solidFill>
                   <a:srgbClr val="000000"/>
                 </a:solidFill>
@@ -24816,7 +24723,7 @@
           </a:ln>
           <a:extLst>
             <a:ext uri="{91240B29-F687-4f45-9708-019B960494DF}">
-              <a14:hiddenLine xmlns:a14="http://schemas.microsoft.com/office/drawing/2010/main" xmlns="" w="12700">
+              <a14:hiddenLine xmlns="" xmlns:a14="http://schemas.microsoft.com/office/drawing/2010/main" w="12700">
                 <a:solidFill>
                   <a:srgbClr val="000000"/>
                 </a:solidFill>
@@ -24987,7 +24894,7 @@
           </a:ln>
           <a:extLst>
             <a:ext uri="{91240B29-F687-4f45-9708-019B960494DF}">
-              <a14:hiddenLine xmlns:a14="http://schemas.microsoft.com/office/drawing/2010/main" xmlns="" w="12700">
+              <a14:hiddenLine xmlns="" xmlns:a14="http://schemas.microsoft.com/office/drawing/2010/main" w="12700">
                 <a:solidFill>
                   <a:srgbClr val="000000"/>
                 </a:solidFill>
@@ -25161,7 +25068,7 @@
           </a:ln>
           <a:extLst>
             <a:ext uri="{909E8E84-426E-40dd-AFC4-6F175D3DCCD1}">
-              <a14:hiddenFill xmlns:a14="http://schemas.microsoft.com/office/drawing/2010/main" xmlns="">
+              <a14:hiddenFill xmlns="" xmlns:a14="http://schemas.microsoft.com/office/drawing/2010/main">
                 <a:noFill/>
               </a14:hiddenFill>
             </a:ext>
@@ -25200,14 +25107,14 @@
           </a:ln>
           <a:extLst>
             <a:ext uri="{909E8E84-426E-40dd-AFC4-6F175D3DCCD1}">
-              <a14:hiddenFill xmlns:a14="http://schemas.microsoft.com/office/drawing/2010/main" xmlns="">
+              <a14:hiddenFill xmlns="" xmlns:a14="http://schemas.microsoft.com/office/drawing/2010/main">
                 <a:solidFill>
                   <a:srgbClr val="FFFFFF"/>
                 </a:solidFill>
               </a14:hiddenFill>
             </a:ext>
             <a:ext uri="{91240B29-F687-4f45-9708-019B960494DF}">
-              <a14:hiddenLine xmlns:a14="http://schemas.microsoft.com/office/drawing/2010/main" xmlns="" w="12700">
+              <a14:hiddenLine xmlns="" xmlns:a14="http://schemas.microsoft.com/office/drawing/2010/main" w="12700">
                 <a:solidFill>
                   <a:srgbClr val="000000"/>
                 </a:solidFill>
